--- a/Lecture/Python入门/Python图像处理简化.pptx
+++ b/Lecture/Python入门/Python图像处理简化.pptx
@@ -226,7 +226,7 @@
           <a:p>
             <a:fld id="{2694C0D9-FC26-48F2-AEF1-496AD888700B}" type="datetimeFigureOut">
               <a:rPr lang="zh-CN" altLang="en-US" smtClean="0"/>
-              <a:t>2022/9/26</a:t>
+              <a:t>2022/9/27</a:t>
             </a:fld>
             <a:endParaRPr lang="zh-CN" altLang="en-US"/>
           </a:p>
@@ -1462,7 +1462,7 @@
           <a:p>
             <a:fld id="{928A6084-5691-47FA-9083-E1A6ECF6B001}" type="datetimeFigureOut">
               <a:rPr lang="zh-CN" altLang="en-US" smtClean="0"/>
-              <a:t>2022/9/26</a:t>
+              <a:t>2022/9/27</a:t>
             </a:fld>
             <a:endParaRPr lang="zh-CN" altLang="en-US"/>
           </a:p>
@@ -1660,7 +1660,7 @@
           <a:p>
             <a:fld id="{928A6084-5691-47FA-9083-E1A6ECF6B001}" type="datetimeFigureOut">
               <a:rPr lang="zh-CN" altLang="en-US" smtClean="0"/>
-              <a:t>2022/9/26</a:t>
+              <a:t>2022/9/27</a:t>
             </a:fld>
             <a:endParaRPr lang="zh-CN" altLang="en-US"/>
           </a:p>
@@ -1868,7 +1868,7 @@
           <a:p>
             <a:fld id="{928A6084-5691-47FA-9083-E1A6ECF6B001}" type="datetimeFigureOut">
               <a:rPr lang="zh-CN" altLang="en-US" smtClean="0"/>
-              <a:t>2022/9/26</a:t>
+              <a:t>2022/9/27</a:t>
             </a:fld>
             <a:endParaRPr lang="zh-CN" altLang="en-US"/>
           </a:p>
@@ -2267,7 +2267,7 @@
           <a:p>
             <a:fld id="{928A6084-5691-47FA-9083-E1A6ECF6B001}" type="datetimeFigureOut">
               <a:rPr lang="zh-CN" altLang="en-US" smtClean="0"/>
-              <a:t>2022/9/26</a:t>
+              <a:t>2022/9/27</a:t>
             </a:fld>
             <a:endParaRPr lang="zh-CN" altLang="en-US"/>
           </a:p>
@@ -2542,7 +2542,7 @@
           <a:p>
             <a:fld id="{928A6084-5691-47FA-9083-E1A6ECF6B001}" type="datetimeFigureOut">
               <a:rPr lang="zh-CN" altLang="en-US" smtClean="0"/>
-              <a:t>2022/9/26</a:t>
+              <a:t>2022/9/27</a:t>
             </a:fld>
             <a:endParaRPr lang="zh-CN" altLang="en-US"/>
           </a:p>
@@ -2807,7 +2807,7 @@
           <a:p>
             <a:fld id="{928A6084-5691-47FA-9083-E1A6ECF6B001}" type="datetimeFigureOut">
               <a:rPr lang="zh-CN" altLang="en-US" smtClean="0"/>
-              <a:t>2022/9/26</a:t>
+              <a:t>2022/9/27</a:t>
             </a:fld>
             <a:endParaRPr lang="zh-CN" altLang="en-US"/>
           </a:p>
@@ -3219,7 +3219,7 @@
           <a:p>
             <a:fld id="{928A6084-5691-47FA-9083-E1A6ECF6B001}" type="datetimeFigureOut">
               <a:rPr lang="zh-CN" altLang="en-US" smtClean="0"/>
-              <a:t>2022/9/26</a:t>
+              <a:t>2022/9/27</a:t>
             </a:fld>
             <a:endParaRPr lang="zh-CN" altLang="en-US"/>
           </a:p>
@@ -3360,7 +3360,7 @@
           <a:p>
             <a:fld id="{928A6084-5691-47FA-9083-E1A6ECF6B001}" type="datetimeFigureOut">
               <a:rPr lang="zh-CN" altLang="en-US" smtClean="0"/>
-              <a:t>2022/9/26</a:t>
+              <a:t>2022/9/27</a:t>
             </a:fld>
             <a:endParaRPr lang="zh-CN" altLang="en-US"/>
           </a:p>
@@ -3473,7 +3473,7 @@
           <a:p>
             <a:fld id="{928A6084-5691-47FA-9083-E1A6ECF6B001}" type="datetimeFigureOut">
               <a:rPr lang="zh-CN" altLang="en-US" smtClean="0"/>
-              <a:t>2022/9/26</a:t>
+              <a:t>2022/9/27</a:t>
             </a:fld>
             <a:endParaRPr lang="zh-CN" altLang="en-US"/>
           </a:p>
@@ -3784,7 +3784,7 @@
           <a:p>
             <a:fld id="{928A6084-5691-47FA-9083-E1A6ECF6B001}" type="datetimeFigureOut">
               <a:rPr lang="zh-CN" altLang="en-US" smtClean="0"/>
-              <a:t>2022/9/26</a:t>
+              <a:t>2022/9/27</a:t>
             </a:fld>
             <a:endParaRPr lang="zh-CN" altLang="en-US"/>
           </a:p>
@@ -4072,7 +4072,7 @@
           <a:p>
             <a:fld id="{928A6084-5691-47FA-9083-E1A6ECF6B001}" type="datetimeFigureOut">
               <a:rPr lang="zh-CN" altLang="en-US" smtClean="0"/>
-              <a:t>2022/9/26</a:t>
+              <a:t>2022/9/27</a:t>
             </a:fld>
             <a:endParaRPr lang="zh-CN" altLang="en-US"/>
           </a:p>
@@ -4313,7 +4313,7 @@
           <a:p>
             <a:fld id="{928A6084-5691-47FA-9083-E1A6ECF6B001}" type="datetimeFigureOut">
               <a:rPr lang="zh-CN" altLang="en-US" smtClean="0"/>
-              <a:t>2022/9/26</a:t>
+              <a:t>2022/9/27</a:t>
             </a:fld>
             <a:endParaRPr lang="zh-CN" altLang="en-US"/>
           </a:p>
@@ -5473,7 +5473,7 @@
             </a:endParaRPr>
           </a:p>
           <a:p>
-            <a:pPr marL="0" indent="0">
+            <a:pPr marL="457200" lvl="1" indent="0">
               <a:lnSpc>
                 <a:spcPct val="160000"/>
               </a:lnSpc>
@@ -5483,7 +5483,7 @@
               <a:buNone/>
             </a:pPr>
             <a:r>
-              <a:rPr kumimoji="1" lang="en-US" altLang="zh-CN" sz="2400" dirty="0" err="1">
+              <a:rPr kumimoji="1" lang="en-US" altLang="zh-CN" sz="2000" dirty="0" err="1">
                 <a:solidFill>
                   <a:srgbClr val="FF0000"/>
                 </a:solidFill>
@@ -5493,7 +5493,7 @@
               <a:t>conda</a:t>
             </a:r>
             <a:r>
-              <a:rPr kumimoji="1" lang="en-US" altLang="zh-CN" sz="2400" dirty="0">
+              <a:rPr kumimoji="1" lang="en-US" altLang="zh-CN" sz="2000" dirty="0">
                 <a:solidFill>
                   <a:srgbClr val="FF0000"/>
                 </a:solidFill>
@@ -5503,7 +5503,7 @@
               <a:t> create -n </a:t>
             </a:r>
             <a:r>
-              <a:rPr kumimoji="1" lang="en-US" altLang="zh-CN" sz="2400" dirty="0" err="1">
+              <a:rPr kumimoji="1" lang="en-US" altLang="zh-CN" sz="2000" dirty="0" err="1">
                 <a:solidFill>
                   <a:srgbClr val="FF0000"/>
                 </a:solidFill>
@@ -5513,7 +5513,7 @@
               <a:t>your_env_name</a:t>
             </a:r>
             <a:r>
-              <a:rPr kumimoji="1" lang="en-US" altLang="zh-CN" sz="2400" dirty="0">
+              <a:rPr kumimoji="1" lang="en-US" altLang="zh-CN" sz="2000" dirty="0">
                 <a:solidFill>
                   <a:srgbClr val="FF0000"/>
                 </a:solidFill>
@@ -5523,7 +5523,7 @@
               <a:t> python=</a:t>
             </a:r>
             <a:r>
-              <a:rPr kumimoji="1" lang="en-US" altLang="zh-CN" sz="2400" dirty="0" err="1">
+              <a:rPr kumimoji="1" lang="en-US" altLang="zh-CN" sz="2000" dirty="0" err="1">
                 <a:solidFill>
                   <a:srgbClr val="FF0000"/>
                 </a:solidFill>
@@ -5532,7 +5532,7 @@
               </a:rPr>
               <a:t>x.x</a:t>
             </a:r>
-            <a:endParaRPr kumimoji="1" lang="en-US" altLang="zh-CN" sz="2400" dirty="0">
+            <a:endParaRPr kumimoji="1" lang="en-US" altLang="zh-CN" sz="2000" dirty="0">
               <a:solidFill>
                 <a:srgbClr val="FF0000"/>
               </a:solidFill>
@@ -10333,7 +10333,7 @@
           </a:ln>
           <a:extLst>
             <a:ext uri="{C572A759-6A51-4108-AA02-DFA0A04FC94B}">
-              <ma14:wrappingTextBoxFlag xmlns:mc="http://schemas.openxmlformats.org/markup-compatibility/2006" xmlns:a14="http://schemas.microsoft.com/office/drawing/2010/main" xmlns:ma14="http://schemas.microsoft.com/office/mac/drawingml/2011/main" xmlns:m="http://schemas.openxmlformats.org/officeDocument/2006/math" xmlns="" val="1"/>
+              <ma14:wrappingTextBoxFlag xmlns="" xmlns:m="http://schemas.openxmlformats.org/officeDocument/2006/math" xmlns:ma14="http://schemas.microsoft.com/office/mac/drawingml/2011/main" xmlns:a14="http://schemas.microsoft.com/office/drawing/2010/main" xmlns:mc="http://schemas.openxmlformats.org/markup-compatibility/2006" val="1"/>
             </a:ext>
           </a:extLst>
         </p:spPr>
